--- a/Boot Camp Project 2 Proposal.pptx
+++ b/Boot Camp Project 2 Proposal.pptx
@@ -7,6 +7,9 @@
   <p:sldIdLst>
     <p:sldId id="256" r:id="rId2"/>
     <p:sldId id="257" r:id="rId3"/>
+    <p:sldId id="259" r:id="rId4"/>
+    <p:sldId id="258" r:id="rId5"/>
+    <p:sldId id="260" r:id="rId6"/>
   </p:sldIdLst>
   <p:sldSz cx="9144000" cy="6858000" type="screen4x3"/>
   <p:notesSz cx="6858000" cy="9144000"/>
@@ -289,7 +292,7 @@
           <a:p>
             <a:fld id="{E28ACE04-117D-4890-80E4-254974542FBA}" type="datetimeFigureOut">
               <a:rPr lang="en-US" smtClean="0"/>
-              <a:t>3/28/2019</a:t>
+              <a:t>3/30/2019</a:t>
             </a:fld>
             <a:endParaRPr lang="en-US"/>
           </a:p>
@@ -459,7 +462,7 @@
           <a:p>
             <a:fld id="{E28ACE04-117D-4890-80E4-254974542FBA}" type="datetimeFigureOut">
               <a:rPr lang="en-US" smtClean="0"/>
-              <a:t>3/28/2019</a:t>
+              <a:t>3/30/2019</a:t>
             </a:fld>
             <a:endParaRPr lang="en-US"/>
           </a:p>
@@ -639,7 +642,7 @@
           <a:p>
             <a:fld id="{E28ACE04-117D-4890-80E4-254974542FBA}" type="datetimeFigureOut">
               <a:rPr lang="en-US" smtClean="0"/>
-              <a:t>3/28/2019</a:t>
+              <a:t>3/30/2019</a:t>
             </a:fld>
             <a:endParaRPr lang="en-US"/>
           </a:p>
@@ -809,7 +812,7 @@
           <a:p>
             <a:fld id="{E28ACE04-117D-4890-80E4-254974542FBA}" type="datetimeFigureOut">
               <a:rPr lang="en-US" smtClean="0"/>
-              <a:t>3/28/2019</a:t>
+              <a:t>3/30/2019</a:t>
             </a:fld>
             <a:endParaRPr lang="en-US"/>
           </a:p>
@@ -1055,7 +1058,7 @@
           <a:p>
             <a:fld id="{E28ACE04-117D-4890-80E4-254974542FBA}" type="datetimeFigureOut">
               <a:rPr lang="en-US" smtClean="0"/>
-              <a:t>3/28/2019</a:t>
+              <a:t>3/30/2019</a:t>
             </a:fld>
             <a:endParaRPr lang="en-US"/>
           </a:p>
@@ -1343,7 +1346,7 @@
           <a:p>
             <a:fld id="{E28ACE04-117D-4890-80E4-254974542FBA}" type="datetimeFigureOut">
               <a:rPr lang="en-US" smtClean="0"/>
-              <a:t>3/28/2019</a:t>
+              <a:t>3/30/2019</a:t>
             </a:fld>
             <a:endParaRPr lang="en-US"/>
           </a:p>
@@ -1765,7 +1768,7 @@
           <a:p>
             <a:fld id="{E28ACE04-117D-4890-80E4-254974542FBA}" type="datetimeFigureOut">
               <a:rPr lang="en-US" smtClean="0"/>
-              <a:t>3/28/2019</a:t>
+              <a:t>3/30/2019</a:t>
             </a:fld>
             <a:endParaRPr lang="en-US"/>
           </a:p>
@@ -1883,7 +1886,7 @@
           <a:p>
             <a:fld id="{E28ACE04-117D-4890-80E4-254974542FBA}" type="datetimeFigureOut">
               <a:rPr lang="en-US" smtClean="0"/>
-              <a:t>3/28/2019</a:t>
+              <a:t>3/30/2019</a:t>
             </a:fld>
             <a:endParaRPr lang="en-US"/>
           </a:p>
@@ -1978,7 +1981,7 @@
           <a:p>
             <a:fld id="{E28ACE04-117D-4890-80E4-254974542FBA}" type="datetimeFigureOut">
               <a:rPr lang="en-US" smtClean="0"/>
-              <a:t>3/28/2019</a:t>
+              <a:t>3/30/2019</a:t>
             </a:fld>
             <a:endParaRPr lang="en-US"/>
           </a:p>
@@ -2255,7 +2258,7 @@
           <a:p>
             <a:fld id="{E28ACE04-117D-4890-80E4-254974542FBA}" type="datetimeFigureOut">
               <a:rPr lang="en-US" smtClean="0"/>
-              <a:t>3/28/2019</a:t>
+              <a:t>3/30/2019</a:t>
             </a:fld>
             <a:endParaRPr lang="en-US"/>
           </a:p>
@@ -2508,7 +2511,7 @@
           <a:p>
             <a:fld id="{E28ACE04-117D-4890-80E4-254974542FBA}" type="datetimeFigureOut">
               <a:rPr lang="en-US" smtClean="0"/>
-              <a:t>3/28/2019</a:t>
+              <a:t>3/30/2019</a:t>
             </a:fld>
             <a:endParaRPr lang="en-US"/>
           </a:p>
@@ -2721,7 +2724,7 @@
           <a:p>
             <a:fld id="{E28ACE04-117D-4890-80E4-254974542FBA}" type="datetimeFigureOut">
               <a:rPr lang="en-US" smtClean="0"/>
-              <a:t>3/28/2019</a:t>
+              <a:t>3/30/2019</a:t>
             </a:fld>
             <a:endParaRPr lang="en-US"/>
           </a:p>
@@ -3153,7 +3156,7 @@
             </a:r>
             <a:r>
               <a:rPr lang="en-US" dirty="0" err="1" smtClean="0"/>
-              <a:t>Ziang</a:t>
+              <a:t>ZiAng</a:t>
             </a:r>
             <a:r>
               <a:rPr lang="en-US" dirty="0" smtClean="0"/>
@@ -3213,7 +3216,7 @@
         <p:spPr>
           <a:xfrm>
             <a:off x="457200" y="274638"/>
-            <a:ext cx="8229600" cy="563562"/>
+            <a:ext cx="8229600" cy="411162"/>
           </a:xfrm>
         </p:spPr>
         <p:txBody>
@@ -3504,6 +3507,112 @@
           </a:extLst>
         </p:spPr>
       </p:pic>
+      <p:sp>
+        <p:nvSpPr>
+          <p:cNvPr id="4" name="Rectangle 3"/>
+          <p:cNvSpPr/>
+          <p:nvPr/>
+        </p:nvSpPr>
+        <p:spPr>
+          <a:xfrm>
+            <a:off x="152400" y="3352747"/>
+            <a:ext cx="1009650" cy="228600"/>
+          </a:xfrm>
+          <a:prstGeom prst="rect">
+            <a:avLst/>
+          </a:prstGeom>
+          <a:noFill/>
+        </p:spPr>
+        <p:style>
+          <a:lnRef idx="2">
+            <a:schemeClr val="accent1">
+              <a:shade val="50000"/>
+            </a:schemeClr>
+          </a:lnRef>
+          <a:fillRef idx="1">
+            <a:schemeClr val="accent1"/>
+          </a:fillRef>
+          <a:effectRef idx="0">
+            <a:schemeClr val="accent1"/>
+          </a:effectRef>
+          <a:fontRef idx="minor">
+            <a:schemeClr val="lt1"/>
+          </a:fontRef>
+        </p:style>
+        <p:txBody>
+          <a:bodyPr rtlCol="0" anchor="ctr"/>
+          <a:lstStyle/>
+          <a:p>
+            <a:pPr algn="ctr"/>
+            <a:r>
+              <a:rPr lang="en-US" dirty="0" smtClean="0">
+                <a:solidFill>
+                  <a:schemeClr val="tx1"/>
+                </a:solidFill>
+              </a:rPr>
+              <a:t>Intake</a:t>
+            </a:r>
+            <a:endParaRPr lang="en-US" dirty="0">
+              <a:solidFill>
+                <a:schemeClr val="tx1"/>
+              </a:solidFill>
+            </a:endParaRPr>
+          </a:p>
+        </p:txBody>
+      </p:sp>
+      <p:sp>
+        <p:nvSpPr>
+          <p:cNvPr id="8" name="Rectangle 7"/>
+          <p:cNvSpPr/>
+          <p:nvPr/>
+        </p:nvSpPr>
+        <p:spPr>
+          <a:xfrm>
+            <a:off x="152400" y="3581400"/>
+            <a:ext cx="1009650" cy="228600"/>
+          </a:xfrm>
+          <a:prstGeom prst="rect">
+            <a:avLst/>
+          </a:prstGeom>
+          <a:noFill/>
+        </p:spPr>
+        <p:style>
+          <a:lnRef idx="2">
+            <a:schemeClr val="accent1">
+              <a:shade val="50000"/>
+            </a:schemeClr>
+          </a:lnRef>
+          <a:fillRef idx="1">
+            <a:schemeClr val="accent1"/>
+          </a:fillRef>
+          <a:effectRef idx="0">
+            <a:schemeClr val="accent1"/>
+          </a:effectRef>
+          <a:fontRef idx="minor">
+            <a:schemeClr val="lt1"/>
+          </a:fontRef>
+        </p:style>
+        <p:txBody>
+          <a:bodyPr rtlCol="0" anchor="ctr"/>
+          <a:lstStyle/>
+          <a:p>
+            <a:pPr algn="ctr"/>
+            <a:r>
+              <a:rPr lang="en-US" dirty="0" smtClean="0">
+                <a:solidFill>
+                  <a:schemeClr val="tx1"/>
+                </a:solidFill>
+              </a:rPr>
+              <a:t>Outtake</a:t>
+            </a:r>
+            <a:endParaRPr lang="en-US" dirty="0">
+              <a:solidFill>
+                <a:schemeClr val="tx1"/>
+              </a:solidFill>
+            </a:endParaRPr>
+          </a:p>
+        </p:txBody>
+      </p:sp>
     </p:spTree>
     <p:extLst>
       <p:ext uri="{BB962C8B-B14F-4D97-AF65-F5344CB8AC3E}">
@@ -3521,6 +3630,1982 @@
       </p:par>
     </p:tnLst>
   </p:timing>
+</p:sld>
+</file>
+
+<file path=ppt/slides/slide3.xml><?xml version="1.0" encoding="utf-8"?>
+<p:sld xmlns:a="http://schemas.openxmlformats.org/drawingml/2006/main" xmlns:r="http://schemas.openxmlformats.org/officeDocument/2006/relationships" xmlns:p="http://schemas.openxmlformats.org/presentationml/2006/main">
+  <p:cSld>
+    <p:spTree>
+      <p:nvGrpSpPr>
+        <p:cNvPr id="1" name=""/>
+        <p:cNvGrpSpPr/>
+        <p:nvPr/>
+      </p:nvGrpSpPr>
+      <p:grpSpPr>
+        <a:xfrm>
+          <a:off x="0" y="0"/>
+          <a:ext cx="0" cy="0"/>
+          <a:chOff x="0" y="0"/>
+          <a:chExt cx="0" cy="0"/>
+        </a:xfrm>
+      </p:grpSpPr>
+      <p:sp>
+        <p:nvSpPr>
+          <p:cNvPr id="2" name="Title 1"/>
+          <p:cNvSpPr>
+            <a:spLocks noGrp="1"/>
+          </p:cNvSpPr>
+          <p:nvPr>
+            <p:ph type="title"/>
+          </p:nvPr>
+        </p:nvSpPr>
+        <p:spPr/>
+        <p:txBody>
+          <a:bodyPr/>
+          <a:lstStyle/>
+          <a:p>
+            <a:r>
+              <a:rPr lang="en-US" dirty="0" smtClean="0"/>
+              <a:t>Requirements</a:t>
+            </a:r>
+            <a:endParaRPr lang="en-US" dirty="0"/>
+          </a:p>
+        </p:txBody>
+      </p:sp>
+      <p:sp>
+        <p:nvSpPr>
+          <p:cNvPr id="3" name="Content Placeholder 2"/>
+          <p:cNvSpPr>
+            <a:spLocks noGrp="1"/>
+          </p:cNvSpPr>
+          <p:nvPr>
+            <p:ph idx="1"/>
+          </p:nvPr>
+        </p:nvSpPr>
+        <p:spPr>
+          <a:xfrm>
+            <a:off x="76200" y="1600200"/>
+            <a:ext cx="8229600" cy="4800600"/>
+          </a:xfrm>
+        </p:spPr>
+        <p:txBody>
+          <a:bodyPr>
+            <a:normAutofit fontScale="55000" lnSpcReduction="20000"/>
+          </a:bodyPr>
+          <a:lstStyle/>
+          <a:p>
+            <a:r>
+              <a:rPr lang="en-US" dirty="0" smtClean="0"/>
+              <a:t>Interactive web page driven with </a:t>
+            </a:r>
+            <a:r>
+              <a:rPr lang="en-US" b="1" dirty="0" smtClean="0">
+                <a:solidFill>
+                  <a:srgbClr val="00B050"/>
+                </a:solidFill>
+              </a:rPr>
+              <a:t>Flask</a:t>
+            </a:r>
+          </a:p>
+          <a:p>
+            <a:r>
+              <a:rPr lang="en-US" dirty="0" smtClean="0"/>
+              <a:t>Data sources</a:t>
+            </a:r>
+          </a:p>
+          <a:p>
+            <a:pPr lvl="1"/>
+            <a:r>
+              <a:rPr lang="en-US" dirty="0" smtClean="0">
+                <a:hlinkClick r:id="rId2"/>
+              </a:rPr>
+              <a:t>Austin Animal Center API</a:t>
+            </a:r>
+            <a:endParaRPr lang="en-US" dirty="0"/>
+          </a:p>
+          <a:p>
+            <a:pPr lvl="1"/>
+            <a:r>
+              <a:rPr lang="en-US" dirty="0" err="1" smtClean="0"/>
+              <a:t>Demographicss</a:t>
+            </a:r>
+            <a:r>
+              <a:rPr lang="en-US" dirty="0" smtClean="0"/>
+              <a:t> by Zip Code</a:t>
+            </a:r>
+          </a:p>
+          <a:p>
+            <a:pPr lvl="2"/>
+            <a:r>
+              <a:rPr lang="en-US" dirty="0" smtClean="0"/>
+              <a:t>TBD, probably US Census</a:t>
+            </a:r>
+            <a:endParaRPr lang="en-US" dirty="0"/>
+          </a:p>
+          <a:p>
+            <a:r>
+              <a:rPr lang="en-US" dirty="0" smtClean="0"/>
+              <a:t>Data to be stored in </a:t>
+            </a:r>
+            <a:r>
+              <a:rPr lang="en-US" b="1" dirty="0" smtClean="0">
+                <a:solidFill>
+                  <a:srgbClr val="00B050"/>
+                </a:solidFill>
+              </a:rPr>
+              <a:t>MySQL</a:t>
+            </a:r>
+            <a:r>
+              <a:rPr lang="en-US" b="1" dirty="0" smtClean="0"/>
+              <a:t> </a:t>
+            </a:r>
+            <a:r>
+              <a:rPr lang="en-US" b="1" dirty="0" err="1" smtClean="0">
+                <a:solidFill>
+                  <a:srgbClr val="00B050"/>
+                </a:solidFill>
+              </a:rPr>
+              <a:t>db</a:t>
+            </a:r>
+            <a:endParaRPr lang="en-US" b="1" dirty="0" smtClean="0">
+              <a:solidFill>
+                <a:srgbClr val="00B050"/>
+              </a:solidFill>
+            </a:endParaRPr>
+          </a:p>
+          <a:p>
+            <a:pPr lvl="1"/>
+            <a:r>
+              <a:rPr lang="en-US" dirty="0" smtClean="0"/>
+              <a:t>Animal Center updates daily, option</a:t>
+            </a:r>
+            <a:br>
+              <a:rPr lang="en-US" dirty="0" smtClean="0"/>
+            </a:br>
+            <a:r>
+              <a:rPr lang="en-US" dirty="0" smtClean="0"/>
+              <a:t>to update from </a:t>
+            </a:r>
+            <a:r>
+              <a:rPr lang="en-US" b="1" dirty="0" smtClean="0">
+                <a:solidFill>
+                  <a:srgbClr val="00B050"/>
+                </a:solidFill>
+              </a:rPr>
+              <a:t>API</a:t>
+            </a:r>
+            <a:r>
+              <a:rPr lang="en-US" dirty="0" smtClean="0">
+                <a:solidFill>
+                  <a:srgbClr val="00B050"/>
+                </a:solidFill>
+              </a:rPr>
+              <a:t> </a:t>
+            </a:r>
+            <a:r>
+              <a:rPr lang="en-US" dirty="0" smtClean="0"/>
+              <a:t>with a button click? Or </a:t>
+            </a:r>
+            <a:br>
+              <a:rPr lang="en-US" dirty="0" smtClean="0"/>
+            </a:br>
+            <a:r>
+              <a:rPr lang="en-US" dirty="0" smtClean="0"/>
+              <a:t>update upon entry to web page?</a:t>
+            </a:r>
+          </a:p>
+          <a:p>
+            <a:pPr lvl="1"/>
+            <a:r>
+              <a:rPr lang="en-US" dirty="0" smtClean="0"/>
+              <a:t>Demographic data will be downloaded to our </a:t>
+            </a:r>
+            <a:r>
+              <a:rPr lang="en-US" dirty="0" err="1" smtClean="0"/>
+              <a:t>db</a:t>
+            </a:r>
+            <a:r>
+              <a:rPr lang="en-US" dirty="0" smtClean="0"/>
+              <a:t> one time</a:t>
+            </a:r>
+          </a:p>
+          <a:p>
+            <a:r>
+              <a:rPr lang="en-US" dirty="0" smtClean="0"/>
+              <a:t>Display – Combination of </a:t>
+            </a:r>
+            <a:r>
+              <a:rPr lang="en-US" b="1" dirty="0" smtClean="0">
+                <a:solidFill>
+                  <a:srgbClr val="00B050"/>
+                </a:solidFill>
+              </a:rPr>
+              <a:t>Leaflet</a:t>
+            </a:r>
+            <a:r>
+              <a:rPr lang="en-US" dirty="0" smtClean="0">
+                <a:solidFill>
+                  <a:srgbClr val="00B050"/>
+                </a:solidFill>
+              </a:rPr>
+              <a:t> </a:t>
+            </a:r>
+            <a:r>
+              <a:rPr lang="en-US" dirty="0" smtClean="0"/>
+              <a:t>mapping and </a:t>
+            </a:r>
+            <a:r>
+              <a:rPr lang="en-US" b="1" dirty="0" err="1" smtClean="0">
+                <a:solidFill>
+                  <a:srgbClr val="00B050"/>
+                </a:solidFill>
+              </a:rPr>
+              <a:t>Plotly</a:t>
+            </a:r>
+            <a:r>
+              <a:rPr lang="en-US" dirty="0" smtClean="0">
+                <a:solidFill>
+                  <a:srgbClr val="00B050"/>
+                </a:solidFill>
+              </a:rPr>
+              <a:t> </a:t>
+            </a:r>
+            <a:r>
+              <a:rPr lang="en-US" dirty="0" smtClean="0"/>
+              <a:t>tables</a:t>
+            </a:r>
+          </a:p>
+          <a:p>
+            <a:pPr lvl="1"/>
+            <a:r>
+              <a:rPr lang="en-US" dirty="0" smtClean="0"/>
+              <a:t>One </a:t>
+            </a:r>
+            <a:r>
+              <a:rPr lang="en-US" b="1" dirty="0" smtClean="0">
+                <a:solidFill>
+                  <a:srgbClr val="00B050"/>
+                </a:solidFill>
+              </a:rPr>
+              <a:t>interactive map</a:t>
+            </a:r>
+            <a:r>
+              <a:rPr lang="en-US" dirty="0" smtClean="0"/>
+              <a:t>, one </a:t>
+            </a:r>
+            <a:r>
+              <a:rPr lang="en-US" b="1" dirty="0" smtClean="0">
+                <a:solidFill>
+                  <a:srgbClr val="00B050"/>
+                </a:solidFill>
+              </a:rPr>
+              <a:t>interactive bubble chart</a:t>
+            </a:r>
+            <a:r>
+              <a:rPr lang="en-US" dirty="0" smtClean="0"/>
+              <a:t>, </a:t>
+            </a:r>
+            <a:r>
+              <a:rPr lang="en-US" b="1" dirty="0" smtClean="0">
+                <a:solidFill>
+                  <a:srgbClr val="00B050"/>
+                </a:solidFill>
+              </a:rPr>
+              <a:t>one interactive bar chart</a:t>
+            </a:r>
+          </a:p>
+          <a:p>
+            <a:pPr lvl="1"/>
+            <a:r>
+              <a:rPr lang="en-US" dirty="0" smtClean="0"/>
+              <a:t>Use Python </a:t>
+            </a:r>
+            <a:r>
+              <a:rPr lang="en-US" b="1" dirty="0" err="1" smtClean="0">
+                <a:solidFill>
+                  <a:srgbClr val="00B050"/>
+                </a:solidFill>
+              </a:rPr>
+              <a:t>goepandas</a:t>
+            </a:r>
+            <a:r>
+              <a:rPr lang="en-US" dirty="0" smtClean="0">
+                <a:solidFill>
+                  <a:srgbClr val="00B050"/>
+                </a:solidFill>
+              </a:rPr>
+              <a:t> </a:t>
+            </a:r>
+            <a:r>
+              <a:rPr lang="en-US" dirty="0" smtClean="0"/>
+              <a:t>library for </a:t>
+            </a:r>
+            <a:r>
+              <a:rPr lang="en-US" dirty="0" err="1" smtClean="0"/>
+              <a:t>goecoding</a:t>
+            </a:r>
+            <a:endParaRPr lang="en-US" dirty="0" smtClean="0"/>
+          </a:p>
+          <a:p>
+            <a:r>
+              <a:rPr lang="en-US" dirty="0" smtClean="0"/>
+              <a:t>Challenges</a:t>
+            </a:r>
+          </a:p>
+          <a:p>
+            <a:pPr lvl="1"/>
+            <a:r>
+              <a:rPr lang="en-US" dirty="0" smtClean="0"/>
+              <a:t>Convert Austin address to </a:t>
+            </a:r>
+            <a:r>
+              <a:rPr lang="en-US" dirty="0" err="1" smtClean="0"/>
+              <a:t>lat</a:t>
+            </a:r>
+            <a:r>
+              <a:rPr lang="en-US" dirty="0" smtClean="0"/>
+              <a:t>/</a:t>
+            </a:r>
+            <a:r>
+              <a:rPr lang="en-US" dirty="0" err="1" smtClean="0"/>
+              <a:t>lon</a:t>
+            </a:r>
+            <a:r>
+              <a:rPr lang="en-US" dirty="0" smtClean="0"/>
+              <a:t> and zip code</a:t>
+            </a:r>
+          </a:p>
+          <a:p>
+            <a:pPr lvl="2"/>
+            <a:r>
+              <a:rPr lang="en-US" dirty="0" err="1" smtClean="0"/>
+              <a:t>Lat</a:t>
+            </a:r>
+            <a:r>
+              <a:rPr lang="en-US" dirty="0" smtClean="0"/>
+              <a:t>/</a:t>
+            </a:r>
+            <a:r>
+              <a:rPr lang="en-US" dirty="0" err="1" smtClean="0"/>
+              <a:t>lon</a:t>
+            </a:r>
+            <a:r>
+              <a:rPr lang="en-US" dirty="0" smtClean="0"/>
+              <a:t> for geocoding on map display</a:t>
+            </a:r>
+          </a:p>
+          <a:p>
+            <a:pPr lvl="2"/>
+            <a:r>
+              <a:rPr lang="en-US" dirty="0" smtClean="0"/>
+              <a:t>Zip code for matching to demographic data</a:t>
+            </a:r>
+          </a:p>
+          <a:p>
+            <a:pPr lvl="1"/>
+            <a:r>
+              <a:rPr lang="en-US" dirty="0" smtClean="0"/>
+              <a:t>“Austin, TX” data to go to Animal Center location</a:t>
+            </a:r>
+          </a:p>
+        </p:txBody>
+      </p:sp>
+      <p:pic>
+        <p:nvPicPr>
+          <p:cNvPr id="1026" name="Picture 2"/>
+          <p:cNvPicPr>
+            <a:picLocks noChangeAspect="1" noChangeArrowheads="1"/>
+          </p:cNvPicPr>
+          <p:nvPr/>
+        </p:nvPicPr>
+        <p:blipFill>
+          <a:blip r:embed="rId3">
+            <a:extLst>
+              <a:ext uri="{28A0092B-C50C-407E-A947-70E740481C1C}">
+                <a14:useLocalDpi xmlns:a14="http://schemas.microsoft.com/office/drawing/2010/main" val="0"/>
+              </a:ext>
+            </a:extLst>
+          </a:blip>
+          <a:srcRect/>
+          <a:stretch>
+            <a:fillRect/>
+          </a:stretch>
+        </p:blipFill>
+        <p:spPr bwMode="auto">
+          <a:xfrm>
+            <a:off x="5334000" y="1581150"/>
+            <a:ext cx="3716545" cy="2076450"/>
+          </a:xfrm>
+          <a:prstGeom prst="rect">
+            <a:avLst/>
+          </a:prstGeom>
+          <a:noFill/>
+          <a:ln>
+            <a:noFill/>
+          </a:ln>
+          <a:extLst>
+            <a:ext uri="{909E8E84-426E-40DD-AFC4-6F175D3DCCD1}">
+              <a14:hiddenFill xmlns:a14="http://schemas.microsoft.com/office/drawing/2010/main">
+                <a:solidFill>
+                  <a:schemeClr val="accent1"/>
+                </a:solidFill>
+              </a14:hiddenFill>
+            </a:ext>
+            <a:ext uri="{91240B29-F687-4F45-9708-019B960494DF}">
+              <a14:hiddenLine xmlns:a14="http://schemas.microsoft.com/office/drawing/2010/main" w="9525">
+                <a:solidFill>
+                  <a:schemeClr val="tx1"/>
+                </a:solidFill>
+                <a:miter lim="800000"/>
+                <a:headEnd/>
+                <a:tailEnd/>
+              </a14:hiddenLine>
+            </a:ext>
+          </a:extLst>
+        </p:spPr>
+      </p:pic>
+    </p:spTree>
+    <p:extLst>
+      <p:ext uri="{BB962C8B-B14F-4D97-AF65-F5344CB8AC3E}">
+        <p14:creationId xmlns:p14="http://schemas.microsoft.com/office/powerpoint/2010/main" val="1756205140"/>
+      </p:ext>
+    </p:extLst>
+  </p:cSld>
+  <p:clrMapOvr>
+    <a:masterClrMapping/>
+  </p:clrMapOvr>
+</p:sld>
+</file>
+
+<file path=ppt/slides/slide4.xml><?xml version="1.0" encoding="utf-8"?>
+<p:sld xmlns:a="http://schemas.openxmlformats.org/drawingml/2006/main" xmlns:r="http://schemas.openxmlformats.org/officeDocument/2006/relationships" xmlns:p="http://schemas.openxmlformats.org/presentationml/2006/main">
+  <p:cSld>
+    <p:spTree>
+      <p:nvGrpSpPr>
+        <p:cNvPr id="1" name=""/>
+        <p:cNvGrpSpPr/>
+        <p:nvPr/>
+      </p:nvGrpSpPr>
+      <p:grpSpPr>
+        <a:xfrm>
+          <a:off x="0" y="0"/>
+          <a:ext cx="0" cy="0"/>
+          <a:chOff x="0" y="0"/>
+          <a:chExt cx="0" cy="0"/>
+        </a:xfrm>
+      </p:grpSpPr>
+      <p:pic>
+        <p:nvPicPr>
+          <p:cNvPr id="5" name="Picture 2"/>
+          <p:cNvPicPr>
+            <a:picLocks noChangeAspect="1" noChangeArrowheads="1"/>
+          </p:cNvPicPr>
+          <p:nvPr/>
+        </p:nvPicPr>
+        <p:blipFill>
+          <a:blip r:embed="rId2" cstate="print">
+            <a:extLst>
+              <a:ext uri="{28A0092B-C50C-407E-A947-70E740481C1C}">
+                <a14:useLocalDpi xmlns:a14="http://schemas.microsoft.com/office/drawing/2010/main" val="0"/>
+              </a:ext>
+            </a:extLst>
+          </a:blip>
+          <a:srcRect/>
+          <a:stretch>
+            <a:fillRect/>
+          </a:stretch>
+        </p:blipFill>
+        <p:spPr bwMode="auto">
+          <a:xfrm>
+            <a:off x="158364" y="1600200"/>
+            <a:ext cx="4250726" cy="5127165"/>
+          </a:xfrm>
+          <a:prstGeom prst="rect">
+            <a:avLst/>
+          </a:prstGeom>
+          <a:noFill/>
+          <a:ln>
+            <a:noFill/>
+          </a:ln>
+          <a:extLst>
+            <a:ext uri="{909E8E84-426E-40DD-AFC4-6F175D3DCCD1}">
+              <a14:hiddenFill xmlns:a14="http://schemas.microsoft.com/office/drawing/2010/main">
+                <a:solidFill>
+                  <a:schemeClr val="accent1"/>
+                </a:solidFill>
+              </a14:hiddenFill>
+            </a:ext>
+            <a:ext uri="{91240B29-F687-4F45-9708-019B960494DF}">
+              <a14:hiddenLine xmlns:a14="http://schemas.microsoft.com/office/drawing/2010/main" w="9525">
+                <a:solidFill>
+                  <a:schemeClr val="tx1"/>
+                </a:solidFill>
+                <a:miter lim="800000"/>
+                <a:headEnd/>
+                <a:tailEnd/>
+              </a14:hiddenLine>
+            </a:ext>
+          </a:extLst>
+        </p:spPr>
+      </p:pic>
+      <p:pic>
+        <p:nvPicPr>
+          <p:cNvPr id="6" name="Picture 3"/>
+          <p:cNvPicPr>
+            <a:picLocks noChangeAspect="1" noChangeArrowheads="1"/>
+          </p:cNvPicPr>
+          <p:nvPr/>
+        </p:nvPicPr>
+        <p:blipFill>
+          <a:blip r:embed="rId3" cstate="print">
+            <a:extLst>
+              <a:ext uri="{28A0092B-C50C-407E-A947-70E740481C1C}">
+                <a14:useLocalDpi xmlns:a14="http://schemas.microsoft.com/office/drawing/2010/main" val="0"/>
+              </a:ext>
+            </a:extLst>
+          </a:blip>
+          <a:srcRect/>
+          <a:stretch>
+            <a:fillRect/>
+          </a:stretch>
+        </p:blipFill>
+        <p:spPr bwMode="auto">
+          <a:xfrm>
+            <a:off x="5029200" y="941012"/>
+            <a:ext cx="3638550" cy="2127320"/>
+          </a:xfrm>
+          <a:prstGeom prst="rect">
+            <a:avLst/>
+          </a:prstGeom>
+          <a:noFill/>
+          <a:ln>
+            <a:noFill/>
+          </a:ln>
+          <a:extLst>
+            <a:ext uri="{909E8E84-426E-40DD-AFC4-6F175D3DCCD1}">
+              <a14:hiddenFill xmlns:a14="http://schemas.microsoft.com/office/drawing/2010/main">
+                <a:solidFill>
+                  <a:schemeClr val="accent1"/>
+                </a:solidFill>
+              </a14:hiddenFill>
+            </a:ext>
+            <a:ext uri="{91240B29-F687-4F45-9708-019B960494DF}">
+              <a14:hiddenLine xmlns:a14="http://schemas.microsoft.com/office/drawing/2010/main" w="9525">
+                <a:solidFill>
+                  <a:schemeClr val="tx1"/>
+                </a:solidFill>
+                <a:miter lim="800000"/>
+                <a:headEnd/>
+                <a:tailEnd/>
+              </a14:hiddenLine>
+            </a:ext>
+          </a:extLst>
+        </p:spPr>
+      </p:pic>
+      <p:pic>
+        <p:nvPicPr>
+          <p:cNvPr id="7" name="Picture 4"/>
+          <p:cNvPicPr>
+            <a:picLocks noChangeAspect="1" noChangeArrowheads="1"/>
+          </p:cNvPicPr>
+          <p:nvPr/>
+        </p:nvPicPr>
+        <p:blipFill>
+          <a:blip r:embed="rId4" cstate="print">
+            <a:extLst>
+              <a:ext uri="{28A0092B-C50C-407E-A947-70E740481C1C}">
+                <a14:useLocalDpi xmlns:a14="http://schemas.microsoft.com/office/drawing/2010/main" val="0"/>
+              </a:ext>
+            </a:extLst>
+          </a:blip>
+          <a:srcRect/>
+          <a:stretch>
+            <a:fillRect/>
+          </a:stretch>
+        </p:blipFill>
+        <p:spPr bwMode="auto">
+          <a:xfrm>
+            <a:off x="4848064" y="4354204"/>
+            <a:ext cx="3657600" cy="1600693"/>
+          </a:xfrm>
+          <a:prstGeom prst="rect">
+            <a:avLst/>
+          </a:prstGeom>
+          <a:noFill/>
+          <a:ln>
+            <a:noFill/>
+          </a:ln>
+          <a:extLst>
+            <a:ext uri="{909E8E84-426E-40DD-AFC4-6F175D3DCCD1}">
+              <a14:hiddenFill xmlns:a14="http://schemas.microsoft.com/office/drawing/2010/main">
+                <a:solidFill>
+                  <a:schemeClr val="accent1"/>
+                </a:solidFill>
+              </a14:hiddenFill>
+            </a:ext>
+            <a:ext uri="{91240B29-F687-4F45-9708-019B960494DF}">
+              <a14:hiddenLine xmlns:a14="http://schemas.microsoft.com/office/drawing/2010/main" w="9525">
+                <a:solidFill>
+                  <a:schemeClr val="tx1"/>
+                </a:solidFill>
+                <a:miter lim="800000"/>
+                <a:headEnd/>
+                <a:tailEnd/>
+              </a14:hiddenLine>
+            </a:ext>
+          </a:extLst>
+        </p:spPr>
+      </p:pic>
+      <p:sp>
+        <p:nvSpPr>
+          <p:cNvPr id="8" name="Rectangle 7"/>
+          <p:cNvSpPr/>
+          <p:nvPr/>
+        </p:nvSpPr>
+        <p:spPr>
+          <a:xfrm>
+            <a:off x="7797836" y="1089514"/>
+            <a:ext cx="1009650" cy="228600"/>
+          </a:xfrm>
+          <a:prstGeom prst="rect">
+            <a:avLst/>
+          </a:prstGeom>
+          <a:noFill/>
+        </p:spPr>
+        <p:style>
+          <a:lnRef idx="2">
+            <a:schemeClr val="accent1">
+              <a:shade val="50000"/>
+            </a:schemeClr>
+          </a:lnRef>
+          <a:fillRef idx="1">
+            <a:schemeClr val="accent1"/>
+          </a:fillRef>
+          <a:effectRef idx="0">
+            <a:schemeClr val="accent1"/>
+          </a:effectRef>
+          <a:fontRef idx="minor">
+            <a:schemeClr val="lt1"/>
+          </a:fontRef>
+        </p:style>
+        <p:txBody>
+          <a:bodyPr rtlCol="0" anchor="ctr"/>
+          <a:lstStyle/>
+          <a:p>
+            <a:pPr algn="ctr"/>
+            <a:r>
+              <a:rPr lang="en-US" dirty="0" smtClean="0">
+                <a:solidFill>
+                  <a:schemeClr val="tx1"/>
+                </a:solidFill>
+              </a:rPr>
+              <a:t>Intake</a:t>
+            </a:r>
+            <a:endParaRPr lang="en-US" dirty="0">
+              <a:solidFill>
+                <a:schemeClr val="tx1"/>
+              </a:solidFill>
+            </a:endParaRPr>
+          </a:p>
+        </p:txBody>
+      </p:sp>
+      <p:sp>
+        <p:nvSpPr>
+          <p:cNvPr id="9" name="Rectangle 8"/>
+          <p:cNvSpPr/>
+          <p:nvPr/>
+        </p:nvSpPr>
+        <p:spPr>
+          <a:xfrm>
+            <a:off x="7797836" y="1318167"/>
+            <a:ext cx="1009650" cy="228600"/>
+          </a:xfrm>
+          <a:prstGeom prst="rect">
+            <a:avLst/>
+          </a:prstGeom>
+          <a:noFill/>
+        </p:spPr>
+        <p:style>
+          <a:lnRef idx="2">
+            <a:schemeClr val="accent1">
+              <a:shade val="50000"/>
+            </a:schemeClr>
+          </a:lnRef>
+          <a:fillRef idx="1">
+            <a:schemeClr val="accent1"/>
+          </a:fillRef>
+          <a:effectRef idx="0">
+            <a:schemeClr val="accent1"/>
+          </a:effectRef>
+          <a:fontRef idx="minor">
+            <a:schemeClr val="lt1"/>
+          </a:fontRef>
+        </p:style>
+        <p:txBody>
+          <a:bodyPr rtlCol="0" anchor="ctr"/>
+          <a:lstStyle/>
+          <a:p>
+            <a:pPr algn="ctr"/>
+            <a:r>
+              <a:rPr lang="en-US" dirty="0" smtClean="0">
+                <a:solidFill>
+                  <a:schemeClr val="tx1"/>
+                </a:solidFill>
+              </a:rPr>
+              <a:t>Outtake</a:t>
+            </a:r>
+            <a:endParaRPr lang="en-US" dirty="0">
+              <a:solidFill>
+                <a:schemeClr val="tx1"/>
+              </a:solidFill>
+            </a:endParaRPr>
+          </a:p>
+        </p:txBody>
+      </p:sp>
+      <p:sp>
+        <p:nvSpPr>
+          <p:cNvPr id="10" name="Rectangle 9"/>
+          <p:cNvSpPr/>
+          <p:nvPr/>
+        </p:nvSpPr>
+        <p:spPr>
+          <a:xfrm>
+            <a:off x="3281855" y="860871"/>
+            <a:ext cx="1009650" cy="228600"/>
+          </a:xfrm>
+          <a:prstGeom prst="rect">
+            <a:avLst/>
+          </a:prstGeom>
+          <a:noFill/>
+        </p:spPr>
+        <p:style>
+          <a:lnRef idx="2">
+            <a:schemeClr val="accent1">
+              <a:shade val="50000"/>
+            </a:schemeClr>
+          </a:lnRef>
+          <a:fillRef idx="1">
+            <a:schemeClr val="accent1"/>
+          </a:fillRef>
+          <a:effectRef idx="0">
+            <a:schemeClr val="accent1"/>
+          </a:effectRef>
+          <a:fontRef idx="minor">
+            <a:schemeClr val="lt1"/>
+          </a:fontRef>
+        </p:style>
+        <p:txBody>
+          <a:bodyPr rtlCol="0" anchor="ctr"/>
+          <a:lstStyle/>
+          <a:p>
+            <a:pPr algn="ctr"/>
+            <a:r>
+              <a:rPr lang="en-US" dirty="0" smtClean="0">
+                <a:solidFill>
+                  <a:schemeClr val="tx1"/>
+                </a:solidFill>
+              </a:rPr>
+              <a:t>Dogs</a:t>
+            </a:r>
+            <a:endParaRPr lang="en-US" dirty="0">
+              <a:solidFill>
+                <a:schemeClr val="tx1"/>
+              </a:solidFill>
+            </a:endParaRPr>
+          </a:p>
+        </p:txBody>
+      </p:sp>
+      <p:sp>
+        <p:nvSpPr>
+          <p:cNvPr id="11" name="Rectangle 10"/>
+          <p:cNvSpPr/>
+          <p:nvPr/>
+        </p:nvSpPr>
+        <p:spPr>
+          <a:xfrm>
+            <a:off x="3281855" y="1089524"/>
+            <a:ext cx="1009650" cy="228600"/>
+          </a:xfrm>
+          <a:prstGeom prst="rect">
+            <a:avLst/>
+          </a:prstGeom>
+          <a:noFill/>
+        </p:spPr>
+        <p:style>
+          <a:lnRef idx="2">
+            <a:schemeClr val="accent1">
+              <a:shade val="50000"/>
+            </a:schemeClr>
+          </a:lnRef>
+          <a:fillRef idx="1">
+            <a:schemeClr val="accent1"/>
+          </a:fillRef>
+          <a:effectRef idx="0">
+            <a:schemeClr val="accent1"/>
+          </a:effectRef>
+          <a:fontRef idx="minor">
+            <a:schemeClr val="lt1"/>
+          </a:fontRef>
+        </p:style>
+        <p:txBody>
+          <a:bodyPr rtlCol="0" anchor="ctr"/>
+          <a:lstStyle/>
+          <a:p>
+            <a:pPr algn="ctr"/>
+            <a:r>
+              <a:rPr lang="en-US" dirty="0" smtClean="0">
+                <a:solidFill>
+                  <a:schemeClr val="tx1"/>
+                </a:solidFill>
+              </a:rPr>
+              <a:t>Cats</a:t>
+            </a:r>
+            <a:endParaRPr lang="en-US" dirty="0">
+              <a:solidFill>
+                <a:schemeClr val="tx1"/>
+              </a:solidFill>
+            </a:endParaRPr>
+          </a:p>
+        </p:txBody>
+      </p:sp>
+      <p:sp>
+        <p:nvSpPr>
+          <p:cNvPr id="12" name="Rectangle 11"/>
+          <p:cNvSpPr/>
+          <p:nvPr/>
+        </p:nvSpPr>
+        <p:spPr>
+          <a:xfrm>
+            <a:off x="3276600" y="1318071"/>
+            <a:ext cx="1009650" cy="228600"/>
+          </a:xfrm>
+          <a:prstGeom prst="rect">
+            <a:avLst/>
+          </a:prstGeom>
+          <a:noFill/>
+        </p:spPr>
+        <p:style>
+          <a:lnRef idx="2">
+            <a:schemeClr val="accent1">
+              <a:shade val="50000"/>
+            </a:schemeClr>
+          </a:lnRef>
+          <a:fillRef idx="1">
+            <a:schemeClr val="accent1"/>
+          </a:fillRef>
+          <a:effectRef idx="0">
+            <a:schemeClr val="accent1"/>
+          </a:effectRef>
+          <a:fontRef idx="minor">
+            <a:schemeClr val="lt1"/>
+          </a:fontRef>
+        </p:style>
+        <p:txBody>
+          <a:bodyPr rtlCol="0" anchor="ctr"/>
+          <a:lstStyle/>
+          <a:p>
+            <a:pPr algn="ctr"/>
+            <a:r>
+              <a:rPr lang="en-US" dirty="0" smtClean="0">
+                <a:solidFill>
+                  <a:schemeClr val="tx1"/>
+                </a:solidFill>
+              </a:rPr>
+              <a:t>Other</a:t>
+            </a:r>
+            <a:endParaRPr lang="en-US" dirty="0">
+              <a:solidFill>
+                <a:schemeClr val="tx1"/>
+              </a:solidFill>
+            </a:endParaRPr>
+          </a:p>
+        </p:txBody>
+      </p:sp>
+      <p:sp>
+        <p:nvSpPr>
+          <p:cNvPr id="13" name="TextBox 12"/>
+          <p:cNvSpPr txBox="1"/>
+          <p:nvPr/>
+        </p:nvSpPr>
+        <p:spPr>
+          <a:xfrm>
+            <a:off x="2133599" y="435444"/>
+            <a:ext cx="771493" cy="369332"/>
+          </a:xfrm>
+          <a:prstGeom prst="rect">
+            <a:avLst/>
+          </a:prstGeom>
+          <a:noFill/>
+        </p:spPr>
+        <p:txBody>
+          <a:bodyPr wrap="none" rtlCol="0">
+            <a:spAutoFit/>
+          </a:bodyPr>
+          <a:lstStyle/>
+          <a:p>
+            <a:r>
+              <a:rPr lang="en-US" dirty="0" smtClean="0"/>
+              <a:t>Layers</a:t>
+            </a:r>
+            <a:endParaRPr lang="en-US" dirty="0"/>
+          </a:p>
+        </p:txBody>
+      </p:sp>
+      <p:sp>
+        <p:nvSpPr>
+          <p:cNvPr id="14" name="TextBox 13"/>
+          <p:cNvSpPr txBox="1"/>
+          <p:nvPr/>
+        </p:nvSpPr>
+        <p:spPr>
+          <a:xfrm>
+            <a:off x="3395678" y="445219"/>
+            <a:ext cx="752065" cy="369332"/>
+          </a:xfrm>
+          <a:prstGeom prst="rect">
+            <a:avLst/>
+          </a:prstGeom>
+          <a:noFill/>
+        </p:spPr>
+        <p:txBody>
+          <a:bodyPr wrap="none" rtlCol="0">
+            <a:spAutoFit/>
+          </a:bodyPr>
+          <a:lstStyle/>
+          <a:p>
+            <a:r>
+              <a:rPr lang="en-US" dirty="0" smtClean="0"/>
+              <a:t>Filters</a:t>
+            </a:r>
+            <a:endParaRPr lang="en-US" dirty="0"/>
+          </a:p>
+        </p:txBody>
+      </p:sp>
+      <p:sp>
+        <p:nvSpPr>
+          <p:cNvPr id="15" name="Rectangle 14"/>
+          <p:cNvSpPr/>
+          <p:nvPr/>
+        </p:nvSpPr>
+        <p:spPr>
+          <a:xfrm>
+            <a:off x="304800" y="884950"/>
+            <a:ext cx="1524000" cy="228653"/>
+          </a:xfrm>
+          <a:prstGeom prst="rect">
+            <a:avLst/>
+          </a:prstGeom>
+          <a:noFill/>
+        </p:spPr>
+        <p:style>
+          <a:lnRef idx="2">
+            <a:schemeClr val="accent1">
+              <a:shade val="50000"/>
+            </a:schemeClr>
+          </a:lnRef>
+          <a:fillRef idx="1">
+            <a:schemeClr val="accent1"/>
+          </a:fillRef>
+          <a:effectRef idx="0">
+            <a:schemeClr val="accent1"/>
+          </a:effectRef>
+          <a:fontRef idx="minor">
+            <a:schemeClr val="lt1"/>
+          </a:fontRef>
+        </p:style>
+        <p:txBody>
+          <a:bodyPr rtlCol="0" anchor="ctr"/>
+          <a:lstStyle/>
+          <a:p>
+            <a:pPr algn="ctr"/>
+            <a:r>
+              <a:rPr lang="en-US" dirty="0" smtClean="0">
+                <a:solidFill>
+                  <a:schemeClr val="tx1"/>
+                </a:solidFill>
+              </a:rPr>
+              <a:t>Zip Code</a:t>
+            </a:r>
+            <a:endParaRPr lang="en-US" dirty="0">
+              <a:solidFill>
+                <a:schemeClr val="tx1"/>
+              </a:solidFill>
+            </a:endParaRPr>
+          </a:p>
+        </p:txBody>
+      </p:sp>
+      <p:sp>
+        <p:nvSpPr>
+          <p:cNvPr id="16" name="Rectangle 15"/>
+          <p:cNvSpPr/>
+          <p:nvPr/>
+        </p:nvSpPr>
+        <p:spPr>
+          <a:xfrm>
+            <a:off x="304800" y="1113603"/>
+            <a:ext cx="1524000" cy="228653"/>
+          </a:xfrm>
+          <a:prstGeom prst="rect">
+            <a:avLst/>
+          </a:prstGeom>
+          <a:noFill/>
+        </p:spPr>
+        <p:style>
+          <a:lnRef idx="2">
+            <a:schemeClr val="accent1">
+              <a:shade val="50000"/>
+            </a:schemeClr>
+          </a:lnRef>
+          <a:fillRef idx="1">
+            <a:schemeClr val="accent1"/>
+          </a:fillRef>
+          <a:effectRef idx="0">
+            <a:schemeClr val="accent1"/>
+          </a:effectRef>
+          <a:fontRef idx="minor">
+            <a:schemeClr val="lt1"/>
+          </a:fontRef>
+        </p:style>
+        <p:txBody>
+          <a:bodyPr rtlCol="0" anchor="ctr"/>
+          <a:lstStyle/>
+          <a:p>
+            <a:pPr algn="ctr"/>
+            <a:r>
+              <a:rPr lang="en-US" dirty="0" smtClean="0">
+                <a:solidFill>
+                  <a:schemeClr val="tx1"/>
+                </a:solidFill>
+              </a:rPr>
+              <a:t>Demographic</a:t>
+            </a:r>
+            <a:endParaRPr lang="en-US" dirty="0">
+              <a:solidFill>
+                <a:schemeClr val="tx1"/>
+              </a:solidFill>
+            </a:endParaRPr>
+          </a:p>
+        </p:txBody>
+      </p:sp>
+      <p:sp>
+        <p:nvSpPr>
+          <p:cNvPr id="17" name="TextBox 16"/>
+          <p:cNvSpPr txBox="1"/>
+          <p:nvPr/>
+        </p:nvSpPr>
+        <p:spPr>
+          <a:xfrm>
+            <a:off x="685800" y="457200"/>
+            <a:ext cx="702885" cy="369332"/>
+          </a:xfrm>
+          <a:prstGeom prst="rect">
+            <a:avLst/>
+          </a:prstGeom>
+          <a:noFill/>
+        </p:spPr>
+        <p:txBody>
+          <a:bodyPr wrap="none" rtlCol="0">
+            <a:spAutoFit/>
+          </a:bodyPr>
+          <a:lstStyle/>
+          <a:p>
+            <a:r>
+              <a:rPr lang="en-US" dirty="0" smtClean="0"/>
+              <a:t>Maps</a:t>
+            </a:r>
+            <a:endParaRPr lang="en-US" dirty="0"/>
+          </a:p>
+        </p:txBody>
+      </p:sp>
+      <p:cxnSp>
+        <p:nvCxnSpPr>
+          <p:cNvPr id="19" name="Straight Connector 18"/>
+          <p:cNvCxnSpPr/>
+          <p:nvPr/>
+        </p:nvCxnSpPr>
+        <p:spPr>
+          <a:xfrm>
+            <a:off x="4800600" y="650558"/>
+            <a:ext cx="0" cy="2526268"/>
+          </a:xfrm>
+          <a:prstGeom prst="line">
+            <a:avLst/>
+          </a:prstGeom>
+        </p:spPr>
+        <p:style>
+          <a:lnRef idx="1">
+            <a:schemeClr val="accent1"/>
+          </a:lnRef>
+          <a:fillRef idx="0">
+            <a:schemeClr val="accent1"/>
+          </a:fillRef>
+          <a:effectRef idx="0">
+            <a:schemeClr val="accent1"/>
+          </a:effectRef>
+          <a:fontRef idx="minor">
+            <a:schemeClr val="tx1"/>
+          </a:fontRef>
+        </p:style>
+      </p:cxnSp>
+      <p:cxnSp>
+        <p:nvCxnSpPr>
+          <p:cNvPr id="21" name="Straight Connector 20"/>
+          <p:cNvCxnSpPr/>
+          <p:nvPr/>
+        </p:nvCxnSpPr>
+        <p:spPr>
+          <a:xfrm>
+            <a:off x="4800600" y="3176826"/>
+            <a:ext cx="4038600" cy="0"/>
+          </a:xfrm>
+          <a:prstGeom prst="line">
+            <a:avLst/>
+          </a:prstGeom>
+        </p:spPr>
+        <p:style>
+          <a:lnRef idx="1">
+            <a:schemeClr val="accent1"/>
+          </a:lnRef>
+          <a:fillRef idx="0">
+            <a:schemeClr val="accent1"/>
+          </a:fillRef>
+          <a:effectRef idx="0">
+            <a:schemeClr val="accent1"/>
+          </a:effectRef>
+          <a:fontRef idx="minor">
+            <a:schemeClr val="tx1"/>
+          </a:fontRef>
+        </p:style>
+      </p:cxnSp>
+      <p:sp>
+        <p:nvSpPr>
+          <p:cNvPr id="22" name="Rectangle 21"/>
+          <p:cNvSpPr/>
+          <p:nvPr/>
+        </p:nvSpPr>
+        <p:spPr>
+          <a:xfrm>
+            <a:off x="7797836" y="391510"/>
+            <a:ext cx="1009650" cy="228600"/>
+          </a:xfrm>
+          <a:prstGeom prst="rect">
+            <a:avLst/>
+          </a:prstGeom>
+          <a:noFill/>
+        </p:spPr>
+        <p:style>
+          <a:lnRef idx="2">
+            <a:schemeClr val="accent1">
+              <a:shade val="50000"/>
+            </a:schemeClr>
+          </a:lnRef>
+          <a:fillRef idx="1">
+            <a:schemeClr val="accent1"/>
+          </a:fillRef>
+          <a:effectRef idx="0">
+            <a:schemeClr val="accent1"/>
+          </a:effectRef>
+          <a:fontRef idx="minor">
+            <a:schemeClr val="lt1"/>
+          </a:fontRef>
+        </p:style>
+        <p:txBody>
+          <a:bodyPr rtlCol="0" anchor="ctr"/>
+          <a:lstStyle/>
+          <a:p>
+            <a:pPr algn="ctr"/>
+            <a:r>
+              <a:rPr lang="en-US" dirty="0" smtClean="0">
+                <a:solidFill>
+                  <a:schemeClr val="tx1"/>
+                </a:solidFill>
+              </a:rPr>
+              <a:t>Dogs</a:t>
+            </a:r>
+            <a:endParaRPr lang="en-US" dirty="0">
+              <a:solidFill>
+                <a:schemeClr val="tx1"/>
+              </a:solidFill>
+            </a:endParaRPr>
+          </a:p>
+        </p:txBody>
+      </p:sp>
+      <p:sp>
+        <p:nvSpPr>
+          <p:cNvPr id="23" name="Rectangle 22"/>
+          <p:cNvSpPr/>
+          <p:nvPr/>
+        </p:nvSpPr>
+        <p:spPr>
+          <a:xfrm>
+            <a:off x="7797836" y="620163"/>
+            <a:ext cx="1009650" cy="228600"/>
+          </a:xfrm>
+          <a:prstGeom prst="rect">
+            <a:avLst/>
+          </a:prstGeom>
+          <a:noFill/>
+        </p:spPr>
+        <p:style>
+          <a:lnRef idx="2">
+            <a:schemeClr val="accent1">
+              <a:shade val="50000"/>
+            </a:schemeClr>
+          </a:lnRef>
+          <a:fillRef idx="1">
+            <a:schemeClr val="accent1"/>
+          </a:fillRef>
+          <a:effectRef idx="0">
+            <a:schemeClr val="accent1"/>
+          </a:effectRef>
+          <a:fontRef idx="minor">
+            <a:schemeClr val="lt1"/>
+          </a:fontRef>
+        </p:style>
+        <p:txBody>
+          <a:bodyPr rtlCol="0" anchor="ctr"/>
+          <a:lstStyle/>
+          <a:p>
+            <a:pPr algn="ctr"/>
+            <a:r>
+              <a:rPr lang="en-US" dirty="0" smtClean="0">
+                <a:solidFill>
+                  <a:schemeClr val="tx1"/>
+                </a:solidFill>
+              </a:rPr>
+              <a:t>Cats</a:t>
+            </a:r>
+            <a:endParaRPr lang="en-US" dirty="0">
+              <a:solidFill>
+                <a:schemeClr val="tx1"/>
+              </a:solidFill>
+            </a:endParaRPr>
+          </a:p>
+        </p:txBody>
+      </p:sp>
+      <p:sp>
+        <p:nvSpPr>
+          <p:cNvPr id="24" name="Rectangle 23"/>
+          <p:cNvSpPr/>
+          <p:nvPr/>
+        </p:nvSpPr>
+        <p:spPr>
+          <a:xfrm>
+            <a:off x="7797836" y="848710"/>
+            <a:ext cx="1009650" cy="228600"/>
+          </a:xfrm>
+          <a:prstGeom prst="rect">
+            <a:avLst/>
+          </a:prstGeom>
+          <a:noFill/>
+        </p:spPr>
+        <p:style>
+          <a:lnRef idx="2">
+            <a:schemeClr val="accent1">
+              <a:shade val="50000"/>
+            </a:schemeClr>
+          </a:lnRef>
+          <a:fillRef idx="1">
+            <a:schemeClr val="accent1"/>
+          </a:fillRef>
+          <a:effectRef idx="0">
+            <a:schemeClr val="accent1"/>
+          </a:effectRef>
+          <a:fontRef idx="minor">
+            <a:schemeClr val="lt1"/>
+          </a:fontRef>
+        </p:style>
+        <p:txBody>
+          <a:bodyPr rtlCol="0" anchor="ctr"/>
+          <a:lstStyle/>
+          <a:p>
+            <a:pPr algn="ctr"/>
+            <a:r>
+              <a:rPr lang="en-US" dirty="0" smtClean="0">
+                <a:solidFill>
+                  <a:schemeClr val="tx1"/>
+                </a:solidFill>
+              </a:rPr>
+              <a:t>Other</a:t>
+            </a:r>
+            <a:endParaRPr lang="en-US" dirty="0">
+              <a:solidFill>
+                <a:schemeClr val="tx1"/>
+              </a:solidFill>
+            </a:endParaRPr>
+          </a:p>
+        </p:txBody>
+      </p:sp>
+      <p:sp>
+        <p:nvSpPr>
+          <p:cNvPr id="25" name="TextBox 24"/>
+          <p:cNvSpPr txBox="1"/>
+          <p:nvPr/>
+        </p:nvSpPr>
+        <p:spPr>
+          <a:xfrm>
+            <a:off x="7867173" y="29291"/>
+            <a:ext cx="752065" cy="369332"/>
+          </a:xfrm>
+          <a:prstGeom prst="rect">
+            <a:avLst/>
+          </a:prstGeom>
+          <a:noFill/>
+        </p:spPr>
+        <p:txBody>
+          <a:bodyPr wrap="none" rtlCol="0">
+            <a:spAutoFit/>
+          </a:bodyPr>
+          <a:lstStyle/>
+          <a:p>
+            <a:r>
+              <a:rPr lang="en-US" dirty="0" smtClean="0"/>
+              <a:t>Filters</a:t>
+            </a:r>
+            <a:endParaRPr lang="en-US" dirty="0"/>
+          </a:p>
+        </p:txBody>
+      </p:sp>
+      <p:sp>
+        <p:nvSpPr>
+          <p:cNvPr id="26" name="TextBox 25"/>
+          <p:cNvSpPr txBox="1"/>
+          <p:nvPr/>
+        </p:nvSpPr>
+        <p:spPr>
+          <a:xfrm>
+            <a:off x="6395712" y="3253026"/>
+            <a:ext cx="1229376" cy="861774"/>
+          </a:xfrm>
+          <a:prstGeom prst="rect">
+            <a:avLst/>
+          </a:prstGeom>
+          <a:noFill/>
+        </p:spPr>
+        <p:txBody>
+          <a:bodyPr wrap="none" rtlCol="0">
+            <a:spAutoFit/>
+          </a:bodyPr>
+          <a:lstStyle/>
+          <a:p>
+            <a:r>
+              <a:rPr lang="en-US" sz="1400" dirty="0" smtClean="0"/>
+              <a:t>Demographics</a:t>
+            </a:r>
+          </a:p>
+          <a:p>
+            <a:r>
+              <a:rPr lang="en-US" sz="1200" dirty="0"/>
+              <a:t> </a:t>
+            </a:r>
+            <a:r>
+              <a:rPr lang="en-US" sz="1200" dirty="0" smtClean="0"/>
+              <a:t>    Income</a:t>
+            </a:r>
+          </a:p>
+          <a:p>
+            <a:r>
+              <a:rPr lang="en-US" sz="1200" dirty="0"/>
+              <a:t> </a:t>
+            </a:r>
+            <a:r>
+              <a:rPr lang="en-US" sz="1200" dirty="0" smtClean="0"/>
+              <a:t>    Ethnicity</a:t>
+            </a:r>
+          </a:p>
+          <a:p>
+            <a:r>
+              <a:rPr lang="en-US" sz="1200" dirty="0"/>
+              <a:t> </a:t>
+            </a:r>
+            <a:r>
+              <a:rPr lang="en-US" sz="1200" dirty="0" smtClean="0"/>
+              <a:t>    Other?</a:t>
+            </a:r>
+          </a:p>
+        </p:txBody>
+      </p:sp>
+      <p:sp>
+        <p:nvSpPr>
+          <p:cNvPr id="27" name="TextBox 26"/>
+          <p:cNvSpPr txBox="1"/>
+          <p:nvPr/>
+        </p:nvSpPr>
+        <p:spPr>
+          <a:xfrm>
+            <a:off x="4577254" y="1862183"/>
+            <a:ext cx="223345" cy="3323987"/>
+          </a:xfrm>
+          <a:prstGeom prst="rect">
+            <a:avLst/>
+          </a:prstGeom>
+          <a:noFill/>
+        </p:spPr>
+        <p:txBody>
+          <a:bodyPr wrap="square" rtlCol="0">
+            <a:spAutoFit/>
+          </a:bodyPr>
+          <a:lstStyle/>
+          <a:p>
+            <a:r>
+              <a:rPr lang="en-US" sz="1400" dirty="0" smtClean="0"/>
+              <a:t>Number of cases</a:t>
+            </a:r>
+            <a:endParaRPr lang="en-US" sz="1400" dirty="0"/>
+          </a:p>
+        </p:txBody>
+      </p:sp>
+      <p:sp>
+        <p:nvSpPr>
+          <p:cNvPr id="28" name="TextBox 27"/>
+          <p:cNvSpPr txBox="1"/>
+          <p:nvPr/>
+        </p:nvSpPr>
+        <p:spPr>
+          <a:xfrm>
+            <a:off x="6096000" y="6196713"/>
+            <a:ext cx="1229376" cy="523220"/>
+          </a:xfrm>
+          <a:prstGeom prst="rect">
+            <a:avLst/>
+          </a:prstGeom>
+          <a:noFill/>
+        </p:spPr>
+        <p:txBody>
+          <a:bodyPr wrap="none" rtlCol="0">
+            <a:spAutoFit/>
+          </a:bodyPr>
+          <a:lstStyle/>
+          <a:p>
+            <a:r>
+              <a:rPr lang="en-US" sz="1400" dirty="0" smtClean="0"/>
+              <a:t>Demographics</a:t>
+            </a:r>
+          </a:p>
+          <a:p>
+            <a:r>
+              <a:rPr lang="en-US" sz="1400" dirty="0"/>
+              <a:t> </a:t>
+            </a:r>
+            <a:r>
+              <a:rPr lang="en-US" sz="1400" dirty="0" smtClean="0"/>
+              <a:t>    Zip Code</a:t>
+            </a:r>
+          </a:p>
+        </p:txBody>
+      </p:sp>
+      <p:cxnSp>
+        <p:nvCxnSpPr>
+          <p:cNvPr id="29" name="Straight Connector 28"/>
+          <p:cNvCxnSpPr/>
+          <p:nvPr/>
+        </p:nvCxnSpPr>
+        <p:spPr>
+          <a:xfrm>
+            <a:off x="4800600" y="3645932"/>
+            <a:ext cx="0" cy="2526268"/>
+          </a:xfrm>
+          <a:prstGeom prst="line">
+            <a:avLst/>
+          </a:prstGeom>
+        </p:spPr>
+        <p:style>
+          <a:lnRef idx="1">
+            <a:schemeClr val="accent1"/>
+          </a:lnRef>
+          <a:fillRef idx="0">
+            <a:schemeClr val="accent1"/>
+          </a:fillRef>
+          <a:effectRef idx="0">
+            <a:schemeClr val="accent1"/>
+          </a:effectRef>
+          <a:fontRef idx="minor">
+            <a:schemeClr val="tx1"/>
+          </a:fontRef>
+        </p:style>
+      </p:cxnSp>
+      <p:cxnSp>
+        <p:nvCxnSpPr>
+          <p:cNvPr id="30" name="Straight Connector 29"/>
+          <p:cNvCxnSpPr/>
+          <p:nvPr/>
+        </p:nvCxnSpPr>
+        <p:spPr>
+          <a:xfrm>
+            <a:off x="4800600" y="6172200"/>
+            <a:ext cx="4038600" cy="0"/>
+          </a:xfrm>
+          <a:prstGeom prst="line">
+            <a:avLst/>
+          </a:prstGeom>
+        </p:spPr>
+        <p:style>
+          <a:lnRef idx="1">
+            <a:schemeClr val="accent1"/>
+          </a:lnRef>
+          <a:fillRef idx="0">
+            <a:schemeClr val="accent1"/>
+          </a:fillRef>
+          <a:effectRef idx="0">
+            <a:schemeClr val="accent1"/>
+          </a:effectRef>
+          <a:fontRef idx="minor">
+            <a:schemeClr val="tx1"/>
+          </a:fontRef>
+        </p:style>
+      </p:cxnSp>
+      <p:sp>
+        <p:nvSpPr>
+          <p:cNvPr id="31" name="Rectangle 30"/>
+          <p:cNvSpPr/>
+          <p:nvPr/>
+        </p:nvSpPr>
+        <p:spPr>
+          <a:xfrm>
+            <a:off x="2014520" y="885003"/>
+            <a:ext cx="1009650" cy="228600"/>
+          </a:xfrm>
+          <a:prstGeom prst="rect">
+            <a:avLst/>
+          </a:prstGeom>
+          <a:noFill/>
+        </p:spPr>
+        <p:style>
+          <a:lnRef idx="2">
+            <a:schemeClr val="accent1">
+              <a:shade val="50000"/>
+            </a:schemeClr>
+          </a:lnRef>
+          <a:fillRef idx="1">
+            <a:schemeClr val="accent1"/>
+          </a:fillRef>
+          <a:effectRef idx="0">
+            <a:schemeClr val="accent1"/>
+          </a:effectRef>
+          <a:fontRef idx="minor">
+            <a:schemeClr val="lt1"/>
+          </a:fontRef>
+        </p:style>
+        <p:txBody>
+          <a:bodyPr rtlCol="0" anchor="ctr"/>
+          <a:lstStyle/>
+          <a:p>
+            <a:pPr algn="ctr"/>
+            <a:r>
+              <a:rPr lang="en-US" dirty="0" smtClean="0">
+                <a:solidFill>
+                  <a:schemeClr val="tx1"/>
+                </a:solidFill>
+              </a:rPr>
+              <a:t>Intake</a:t>
+            </a:r>
+            <a:endParaRPr lang="en-US" dirty="0">
+              <a:solidFill>
+                <a:schemeClr val="tx1"/>
+              </a:solidFill>
+            </a:endParaRPr>
+          </a:p>
+        </p:txBody>
+      </p:sp>
+      <p:sp>
+        <p:nvSpPr>
+          <p:cNvPr id="32" name="Rectangle 31"/>
+          <p:cNvSpPr/>
+          <p:nvPr/>
+        </p:nvSpPr>
+        <p:spPr>
+          <a:xfrm>
+            <a:off x="2014520" y="1113656"/>
+            <a:ext cx="1009650" cy="228600"/>
+          </a:xfrm>
+          <a:prstGeom prst="rect">
+            <a:avLst/>
+          </a:prstGeom>
+          <a:noFill/>
+        </p:spPr>
+        <p:style>
+          <a:lnRef idx="2">
+            <a:schemeClr val="accent1">
+              <a:shade val="50000"/>
+            </a:schemeClr>
+          </a:lnRef>
+          <a:fillRef idx="1">
+            <a:schemeClr val="accent1"/>
+          </a:fillRef>
+          <a:effectRef idx="0">
+            <a:schemeClr val="accent1"/>
+          </a:effectRef>
+          <a:fontRef idx="minor">
+            <a:schemeClr val="lt1"/>
+          </a:fontRef>
+        </p:style>
+        <p:txBody>
+          <a:bodyPr rtlCol="0" anchor="ctr"/>
+          <a:lstStyle/>
+          <a:p>
+            <a:pPr algn="ctr"/>
+            <a:r>
+              <a:rPr lang="en-US" dirty="0" smtClean="0">
+                <a:solidFill>
+                  <a:schemeClr val="tx1"/>
+                </a:solidFill>
+              </a:rPr>
+              <a:t>Outtake</a:t>
+            </a:r>
+            <a:endParaRPr lang="en-US" dirty="0">
+              <a:solidFill>
+                <a:schemeClr val="tx1"/>
+              </a:solidFill>
+            </a:endParaRPr>
+          </a:p>
+        </p:txBody>
+      </p:sp>
+      <p:sp>
+        <p:nvSpPr>
+          <p:cNvPr id="33" name="TextBox 32"/>
+          <p:cNvSpPr txBox="1"/>
+          <p:nvPr/>
+        </p:nvSpPr>
+        <p:spPr>
+          <a:xfrm>
+            <a:off x="7932681" y="3544461"/>
+            <a:ext cx="770596" cy="369332"/>
+          </a:xfrm>
+          <a:prstGeom prst="rect">
+            <a:avLst/>
+          </a:prstGeom>
+          <a:noFill/>
+        </p:spPr>
+        <p:txBody>
+          <a:bodyPr wrap="none" rtlCol="0">
+            <a:spAutoFit/>
+          </a:bodyPr>
+          <a:lstStyle/>
+          <a:p>
+            <a:r>
+              <a:rPr lang="en-US" dirty="0" smtClean="0"/>
+              <a:t>Colors</a:t>
+            </a:r>
+            <a:endParaRPr lang="en-US" dirty="0"/>
+          </a:p>
+        </p:txBody>
+      </p:sp>
+      <p:sp>
+        <p:nvSpPr>
+          <p:cNvPr id="34" name="Rectangle 33"/>
+          <p:cNvSpPr/>
+          <p:nvPr/>
+        </p:nvSpPr>
+        <p:spPr>
+          <a:xfrm>
+            <a:off x="7813602" y="3994020"/>
+            <a:ext cx="1009650" cy="228600"/>
+          </a:xfrm>
+          <a:prstGeom prst="rect">
+            <a:avLst/>
+          </a:prstGeom>
+          <a:noFill/>
+        </p:spPr>
+        <p:style>
+          <a:lnRef idx="2">
+            <a:schemeClr val="accent1">
+              <a:shade val="50000"/>
+            </a:schemeClr>
+          </a:lnRef>
+          <a:fillRef idx="1">
+            <a:schemeClr val="accent1"/>
+          </a:fillRef>
+          <a:effectRef idx="0">
+            <a:schemeClr val="accent1"/>
+          </a:effectRef>
+          <a:fontRef idx="minor">
+            <a:schemeClr val="lt1"/>
+          </a:fontRef>
+        </p:style>
+        <p:txBody>
+          <a:bodyPr rtlCol="0" anchor="ctr"/>
+          <a:lstStyle/>
+          <a:p>
+            <a:pPr algn="ctr"/>
+            <a:r>
+              <a:rPr lang="en-US" dirty="0" smtClean="0">
+                <a:solidFill>
+                  <a:schemeClr val="tx1"/>
+                </a:solidFill>
+              </a:rPr>
+              <a:t>Pet Type</a:t>
+            </a:r>
+            <a:endParaRPr lang="en-US" dirty="0">
+              <a:solidFill>
+                <a:schemeClr val="tx1"/>
+              </a:solidFill>
+            </a:endParaRPr>
+          </a:p>
+        </p:txBody>
+      </p:sp>
+      <p:sp>
+        <p:nvSpPr>
+          <p:cNvPr id="36" name="TextBox 35"/>
+          <p:cNvSpPr txBox="1"/>
+          <p:nvPr/>
+        </p:nvSpPr>
+        <p:spPr>
+          <a:xfrm>
+            <a:off x="2789296" y="58405"/>
+            <a:ext cx="3991221" cy="461665"/>
+          </a:xfrm>
+          <a:prstGeom prst="rect">
+            <a:avLst/>
+          </a:prstGeom>
+          <a:noFill/>
+        </p:spPr>
+        <p:txBody>
+          <a:bodyPr wrap="none" rtlCol="0">
+            <a:spAutoFit/>
+          </a:bodyPr>
+          <a:lstStyle/>
+          <a:p>
+            <a:r>
+              <a:rPr lang="en-US" sz="2400" dirty="0" smtClean="0"/>
+              <a:t>Austin Animal Center Statistics</a:t>
+            </a:r>
+            <a:endParaRPr lang="en-US" sz="2400" dirty="0"/>
+          </a:p>
+        </p:txBody>
+      </p:sp>
+    </p:spTree>
+    <p:extLst>
+      <p:ext uri="{BB962C8B-B14F-4D97-AF65-F5344CB8AC3E}">
+        <p14:creationId xmlns:p14="http://schemas.microsoft.com/office/powerpoint/2010/main" val="895831959"/>
+      </p:ext>
+    </p:extLst>
+  </p:cSld>
+  <p:clrMapOvr>
+    <a:masterClrMapping/>
+  </p:clrMapOvr>
+</p:sld>
+</file>
+
+<file path=ppt/slides/slide5.xml><?xml version="1.0" encoding="utf-8"?>
+<p:sld xmlns:a="http://schemas.openxmlformats.org/drawingml/2006/main" xmlns:r="http://schemas.openxmlformats.org/officeDocument/2006/relationships" xmlns:p="http://schemas.openxmlformats.org/presentationml/2006/main">
+  <p:cSld>
+    <p:spTree>
+      <p:nvGrpSpPr>
+        <p:cNvPr id="1" name=""/>
+        <p:cNvGrpSpPr/>
+        <p:nvPr/>
+      </p:nvGrpSpPr>
+      <p:grpSpPr>
+        <a:xfrm>
+          <a:off x="0" y="0"/>
+          <a:ext cx="0" cy="0"/>
+          <a:chOff x="0" y="0"/>
+          <a:chExt cx="0" cy="0"/>
+        </a:xfrm>
+      </p:grpSpPr>
+      <p:sp>
+        <p:nvSpPr>
+          <p:cNvPr id="2" name="Rectangle 1"/>
+          <p:cNvSpPr/>
+          <p:nvPr/>
+        </p:nvSpPr>
+        <p:spPr>
+          <a:xfrm>
+            <a:off x="304800" y="533400"/>
+            <a:ext cx="8382000" cy="6093976"/>
+          </a:xfrm>
+          <a:prstGeom prst="rect">
+            <a:avLst/>
+          </a:prstGeom>
+        </p:spPr>
+        <p:txBody>
+          <a:bodyPr wrap="square">
+            <a:spAutoFit/>
+          </a:bodyPr>
+          <a:lstStyle/>
+          <a:p>
+            <a:pPr algn="ctr"/>
+            <a:r>
+              <a:rPr lang="en-US" sz="2400" b="1" dirty="0"/>
+              <a:t>Project 2 Data Checklist</a:t>
+            </a:r>
+          </a:p>
+          <a:p>
+            <a:pPr algn="ctr"/>
+            <a:r>
+              <a:rPr lang="en-US" sz="2400" b="1" dirty="0" err="1"/>
+              <a:t>Ahmeda</a:t>
+            </a:r>
+            <a:r>
+              <a:rPr lang="en-US" sz="2400" b="1" dirty="0"/>
+              <a:t>, Dale, Molly, and </a:t>
+            </a:r>
+            <a:r>
+              <a:rPr lang="en-US" sz="2400" b="1" dirty="0" err="1"/>
+              <a:t>ZiAng</a:t>
+            </a:r>
+            <a:endParaRPr lang="en-US" sz="2400" b="1" dirty="0"/>
+          </a:p>
+          <a:p>
+            <a:r>
+              <a:rPr lang="en-US" dirty="0"/>
+              <a:t> </a:t>
+            </a:r>
+          </a:p>
+          <a:p>
+            <a:pPr lvl="0"/>
+            <a:r>
+              <a:rPr lang="en-US" b="1" dirty="0"/>
+              <a:t>Base map layers</a:t>
+            </a:r>
+          </a:p>
+          <a:p>
+            <a:r>
+              <a:rPr lang="en-US" dirty="0"/>
+              <a:t>Our visualization 1 will be an interactive map. Here’re the data used for the map layers:</a:t>
+            </a:r>
+          </a:p>
+          <a:p>
+            <a:pPr lvl="0"/>
+            <a:r>
+              <a:rPr lang="en-US" dirty="0"/>
+              <a:t>Base map: </a:t>
+            </a:r>
+            <a:r>
+              <a:rPr lang="en-US" u="sng" dirty="0">
+                <a:hlinkClick r:id="rId2"/>
+              </a:rPr>
+              <a:t>https://www.openstreetmap.org</a:t>
+            </a:r>
+            <a:endParaRPr lang="en-US" dirty="0"/>
+          </a:p>
+          <a:p>
+            <a:pPr lvl="0"/>
+            <a:r>
+              <a:rPr lang="en-US" dirty="0"/>
+              <a:t>Polygons (for zip codes, </a:t>
+            </a:r>
+            <a:r>
+              <a:rPr lang="en-US" dirty="0" err="1"/>
+              <a:t>etc</a:t>
+            </a:r>
+            <a:r>
+              <a:rPr lang="en-US" dirty="0"/>
+              <a:t>): </a:t>
+            </a:r>
+            <a:r>
+              <a:rPr lang="en-US" u="sng" dirty="0">
+                <a:hlinkClick r:id="rId3"/>
+              </a:rPr>
+              <a:t>https://www.openstreetmap.org/traces</a:t>
+            </a:r>
+            <a:endParaRPr lang="en-US" dirty="0"/>
+          </a:p>
+          <a:p>
+            <a:pPr lvl="0"/>
+            <a:r>
+              <a:rPr lang="en-US" dirty="0"/>
+              <a:t>Also polygons: </a:t>
+            </a:r>
+            <a:r>
+              <a:rPr lang="en-US" u="sng" dirty="0">
+                <a:hlinkClick r:id="rId4"/>
+              </a:rPr>
+              <a:t>https://www.census.gov/geo/maps-data/data/cbf/cbf_zcta.html</a:t>
+            </a:r>
+            <a:endParaRPr lang="en-US" dirty="0"/>
+          </a:p>
+          <a:p>
+            <a:r>
+              <a:rPr lang="en-US" dirty="0"/>
+              <a:t> </a:t>
+            </a:r>
+          </a:p>
+          <a:p>
+            <a:pPr lvl="0"/>
+            <a:r>
+              <a:rPr lang="en-US" b="1" dirty="0"/>
+              <a:t>Input datasets</a:t>
+            </a:r>
+          </a:p>
+          <a:p>
+            <a:r>
+              <a:rPr lang="en-US" dirty="0"/>
+              <a:t>We plan to get out input data from the following sources - </a:t>
+            </a:r>
+          </a:p>
+          <a:p>
+            <a:pPr lvl="0"/>
+            <a:r>
+              <a:rPr lang="en-US" dirty="0"/>
+              <a:t>Main data – Austin shelter animals’ intake:</a:t>
+            </a:r>
+          </a:p>
+          <a:p>
+            <a:r>
+              <a:rPr lang="en-US" u="sng" dirty="0">
+                <a:hlinkClick r:id="rId5"/>
+              </a:rPr>
+              <a:t>https://data.austintexas.gov/Health-and-Community-Services/Austin-Animal-Center-Intakes/wter-evkm</a:t>
+            </a:r>
+            <a:endParaRPr lang="en-US" dirty="0"/>
+          </a:p>
+          <a:p>
+            <a:r>
+              <a:rPr lang="en-US" dirty="0"/>
+              <a:t>In map form (maybe for our reference):</a:t>
+            </a:r>
+          </a:p>
+          <a:p>
+            <a:r>
+              <a:rPr lang="en-US" u="sng" dirty="0">
+                <a:hlinkClick r:id="rId6"/>
+              </a:rPr>
+              <a:t>https://data.austintexas.gov/Health-and-Community-Services/Austin-Animal-Center-Found-Pets-Map/hye6-gvq2</a:t>
+            </a:r>
+            <a:endParaRPr lang="en-US" dirty="0"/>
+          </a:p>
+          <a:p>
+            <a:r>
+              <a:rPr lang="en-US" dirty="0"/>
+              <a:t> </a:t>
+            </a:r>
+          </a:p>
+          <a:p>
+            <a:pPr lvl="0"/>
+            <a:r>
+              <a:rPr lang="en-US" dirty="0"/>
+              <a:t>Support data – Austin income by zip code:</a:t>
+            </a:r>
+          </a:p>
+          <a:p>
+            <a:r>
+              <a:rPr lang="en-US" u="sng" dirty="0">
+                <a:hlinkClick r:id="rId7"/>
+              </a:rPr>
+              <a:t>http://zipatlas.com/us/tx/austin/zip-code-comparison/median-household-income.htm</a:t>
+            </a:r>
+            <a:endParaRPr lang="en-US" dirty="0"/>
+          </a:p>
+          <a:p>
+            <a:r>
+              <a:rPr lang="en-US" dirty="0"/>
+              <a:t> </a:t>
+            </a:r>
+          </a:p>
+        </p:txBody>
+      </p:sp>
+    </p:spTree>
+    <p:extLst>
+      <p:ext uri="{BB962C8B-B14F-4D97-AF65-F5344CB8AC3E}">
+        <p14:creationId xmlns:p14="http://schemas.microsoft.com/office/powerpoint/2010/main" val="528307647"/>
+      </p:ext>
+    </p:extLst>
+  </p:cSld>
+  <p:clrMapOvr>
+    <a:masterClrMapping/>
+  </p:clrMapOvr>
 </p:sld>
 </file>
 

--- a/Boot Camp Project 2 Proposal.pptx
+++ b/Boot Camp Project 2 Proposal.pptx
@@ -3160,7 +3160,25 @@
             </a:r>
             <a:r>
               <a:rPr lang="en-US" dirty="0" smtClean="0"/>
-              <a:t>, Molly, Dale</a:t>
+              <a:t>, Molly, </a:t>
+            </a:r>
+            <a:r>
+              <a:rPr lang="en-US" dirty="0" smtClean="0"/>
+              <a:t>Dale</a:t>
+            </a:r>
+          </a:p>
+          <a:p>
+            <a:r>
+              <a:rPr lang="en-US" dirty="0" err="1" smtClean="0">
+                <a:hlinkClick r:id="rId2"/>
+              </a:rPr>
+              <a:t>gibhub</a:t>
+            </a:r>
+            <a:r>
+              <a:rPr lang="en-US" dirty="0" smtClean="0">
+                <a:hlinkClick r:id="rId2"/>
+              </a:rPr>
+              <a:t> repo</a:t>
             </a:r>
             <a:endParaRPr lang="en-US" dirty="0"/>
           </a:p>

--- a/Boot Camp Project 2 Proposal.pptx
+++ b/Boot Camp Project 2 Proposal.pptx
@@ -10,6 +10,7 @@
     <p:sldId id="259" r:id="rId4"/>
     <p:sldId id="258" r:id="rId5"/>
     <p:sldId id="260" r:id="rId6"/>
+    <p:sldId id="261" r:id="rId7"/>
   </p:sldIdLst>
   <p:sldSz cx="9144000" cy="6858000" type="screen4x3"/>
   <p:notesSz cx="6858000" cy="9144000"/>
@@ -292,7 +293,7 @@
           <a:p>
             <a:fld id="{E28ACE04-117D-4890-80E4-254974542FBA}" type="datetimeFigureOut">
               <a:rPr lang="en-US" smtClean="0"/>
-              <a:t>3/30/2019</a:t>
+              <a:t>3/31/2019</a:t>
             </a:fld>
             <a:endParaRPr lang="en-US"/>
           </a:p>
@@ -462,7 +463,7 @@
           <a:p>
             <a:fld id="{E28ACE04-117D-4890-80E4-254974542FBA}" type="datetimeFigureOut">
               <a:rPr lang="en-US" smtClean="0"/>
-              <a:t>3/30/2019</a:t>
+              <a:t>3/31/2019</a:t>
             </a:fld>
             <a:endParaRPr lang="en-US"/>
           </a:p>
@@ -642,7 +643,7 @@
           <a:p>
             <a:fld id="{E28ACE04-117D-4890-80E4-254974542FBA}" type="datetimeFigureOut">
               <a:rPr lang="en-US" smtClean="0"/>
-              <a:t>3/30/2019</a:t>
+              <a:t>3/31/2019</a:t>
             </a:fld>
             <a:endParaRPr lang="en-US"/>
           </a:p>
@@ -812,7 +813,7 @@
           <a:p>
             <a:fld id="{E28ACE04-117D-4890-80E4-254974542FBA}" type="datetimeFigureOut">
               <a:rPr lang="en-US" smtClean="0"/>
-              <a:t>3/30/2019</a:t>
+              <a:t>3/31/2019</a:t>
             </a:fld>
             <a:endParaRPr lang="en-US"/>
           </a:p>
@@ -1058,7 +1059,7 @@
           <a:p>
             <a:fld id="{E28ACE04-117D-4890-80E4-254974542FBA}" type="datetimeFigureOut">
               <a:rPr lang="en-US" smtClean="0"/>
-              <a:t>3/30/2019</a:t>
+              <a:t>3/31/2019</a:t>
             </a:fld>
             <a:endParaRPr lang="en-US"/>
           </a:p>
@@ -1346,7 +1347,7 @@
           <a:p>
             <a:fld id="{E28ACE04-117D-4890-80E4-254974542FBA}" type="datetimeFigureOut">
               <a:rPr lang="en-US" smtClean="0"/>
-              <a:t>3/30/2019</a:t>
+              <a:t>3/31/2019</a:t>
             </a:fld>
             <a:endParaRPr lang="en-US"/>
           </a:p>
@@ -1768,7 +1769,7 @@
           <a:p>
             <a:fld id="{E28ACE04-117D-4890-80E4-254974542FBA}" type="datetimeFigureOut">
               <a:rPr lang="en-US" smtClean="0"/>
-              <a:t>3/30/2019</a:t>
+              <a:t>3/31/2019</a:t>
             </a:fld>
             <a:endParaRPr lang="en-US"/>
           </a:p>
@@ -1886,7 +1887,7 @@
           <a:p>
             <a:fld id="{E28ACE04-117D-4890-80E4-254974542FBA}" type="datetimeFigureOut">
               <a:rPr lang="en-US" smtClean="0"/>
-              <a:t>3/30/2019</a:t>
+              <a:t>3/31/2019</a:t>
             </a:fld>
             <a:endParaRPr lang="en-US"/>
           </a:p>
@@ -1981,7 +1982,7 @@
           <a:p>
             <a:fld id="{E28ACE04-117D-4890-80E4-254974542FBA}" type="datetimeFigureOut">
               <a:rPr lang="en-US" smtClean="0"/>
-              <a:t>3/30/2019</a:t>
+              <a:t>3/31/2019</a:t>
             </a:fld>
             <a:endParaRPr lang="en-US"/>
           </a:p>
@@ -2258,7 +2259,7 @@
           <a:p>
             <a:fld id="{E28ACE04-117D-4890-80E4-254974542FBA}" type="datetimeFigureOut">
               <a:rPr lang="en-US" smtClean="0"/>
-              <a:t>3/30/2019</a:t>
+              <a:t>3/31/2019</a:t>
             </a:fld>
             <a:endParaRPr lang="en-US"/>
           </a:p>
@@ -2511,7 +2512,7 @@
           <a:p>
             <a:fld id="{E28ACE04-117D-4890-80E4-254974542FBA}" type="datetimeFigureOut">
               <a:rPr lang="en-US" smtClean="0"/>
-              <a:t>3/30/2019</a:t>
+              <a:t>3/31/2019</a:t>
             </a:fld>
             <a:endParaRPr lang="en-US"/>
           </a:p>
@@ -2724,7 +2725,7 @@
           <a:p>
             <a:fld id="{E28ACE04-117D-4890-80E4-254974542FBA}" type="datetimeFigureOut">
               <a:rPr lang="en-US" smtClean="0"/>
-              <a:t>3/30/2019</a:t>
+              <a:t>3/31/2019</a:t>
             </a:fld>
             <a:endParaRPr lang="en-US"/>
           </a:p>
@@ -3160,11 +3161,7 @@
             </a:r>
             <a:r>
               <a:rPr lang="en-US" dirty="0" smtClean="0"/>
-              <a:t>, Molly, </a:t>
-            </a:r>
-            <a:r>
-              <a:rPr lang="en-US" dirty="0" smtClean="0"/>
-              <a:t>Dale</a:t>
+              <a:t>, Molly, Dale</a:t>
             </a:r>
           </a:p>
           <a:p>
@@ -3757,7 +3754,46 @@
             <a:pPr lvl="2"/>
             <a:r>
               <a:rPr lang="en-US" dirty="0" smtClean="0"/>
-              <a:t>TBD, probably US Census</a:t>
+              <a:t>TBD, probably US </a:t>
+            </a:r>
+            <a:r>
+              <a:rPr lang="en-US" dirty="0" smtClean="0"/>
+              <a:t>Census</a:t>
+            </a:r>
+          </a:p>
+          <a:p>
+            <a:pPr lvl="1"/>
+            <a:r>
+              <a:rPr lang="en-US" dirty="0" smtClean="0"/>
+              <a:t>Had to install </a:t>
+            </a:r>
+            <a:r>
+              <a:rPr lang="en-US" b="1" dirty="0" err="1" smtClean="0">
+                <a:solidFill>
+                  <a:srgbClr val="00B050"/>
+                </a:solidFill>
+              </a:rPr>
+              <a:t>sodapy</a:t>
+            </a:r>
+            <a:r>
+              <a:rPr lang="en-US" dirty="0" smtClean="0">
+                <a:solidFill>
+                  <a:srgbClr val="00B050"/>
+                </a:solidFill>
+              </a:rPr>
+              <a:t> </a:t>
+            </a:r>
+            <a:r>
+              <a:rPr lang="en-US" dirty="0" smtClean="0"/>
+              <a:t>to use </a:t>
+            </a:r>
+            <a:r>
+              <a:rPr lang="en-US" dirty="0" err="1" smtClean="0"/>
+              <a:t>Socrata</a:t>
+            </a:r>
+            <a:r>
+              <a:rPr lang="en-US" dirty="0" smtClean="0"/>
+              <a:t> to get this</a:t>
             </a:r>
             <a:endParaRPr lang="en-US" dirty="0"/>
           </a:p>
@@ -4093,6 +4129,13 @@
   <p:clrMapOvr>
     <a:masterClrMapping/>
   </p:clrMapOvr>
+  <p:timing>
+    <p:tnLst>
+      <p:par>
+        <p:cTn id="1" dur="indefinite" restart="never" nodeType="tmRoot"/>
+      </p:par>
+    </p:tnLst>
+  </p:timing>
 </p:sld>
 </file>
 
@@ -5402,6 +5445,13 @@
   <p:clrMapOvr>
     <a:masterClrMapping/>
   </p:clrMapOvr>
+  <p:timing>
+    <p:tnLst>
+      <p:par>
+        <p:cTn id="1" dur="indefinite" restart="never" nodeType="tmRoot"/>
+      </p:par>
+    </p:tnLst>
+  </p:timing>
 </p:sld>
 </file>
 
@@ -5618,6 +5668,261 @@
     <p:extLst>
       <p:ext uri="{BB962C8B-B14F-4D97-AF65-F5344CB8AC3E}">
         <p14:creationId xmlns:p14="http://schemas.microsoft.com/office/powerpoint/2010/main" val="528307647"/>
+      </p:ext>
+    </p:extLst>
+  </p:cSld>
+  <p:clrMapOvr>
+    <a:masterClrMapping/>
+  </p:clrMapOvr>
+  <p:timing>
+    <p:tnLst>
+      <p:par>
+        <p:cTn id="1" dur="indefinite" restart="never" nodeType="tmRoot"/>
+      </p:par>
+    </p:tnLst>
+  </p:timing>
+</p:sld>
+</file>
+
+<file path=ppt/slides/slide6.xml><?xml version="1.0" encoding="utf-8"?>
+<p:sld xmlns:a="http://schemas.openxmlformats.org/drawingml/2006/main" xmlns:r="http://schemas.openxmlformats.org/officeDocument/2006/relationships" xmlns:p="http://schemas.openxmlformats.org/presentationml/2006/main">
+  <p:cSld>
+    <p:spTree>
+      <p:nvGrpSpPr>
+        <p:cNvPr id="1" name=""/>
+        <p:cNvGrpSpPr/>
+        <p:nvPr/>
+      </p:nvGrpSpPr>
+      <p:grpSpPr>
+        <a:xfrm>
+          <a:off x="0" y="0"/>
+          <a:ext cx="0" cy="0"/>
+          <a:chOff x="0" y="0"/>
+          <a:chExt cx="0" cy="0"/>
+        </a:xfrm>
+      </p:grpSpPr>
+      <p:sp>
+        <p:nvSpPr>
+          <p:cNvPr id="2" name="Title 1"/>
+          <p:cNvSpPr>
+            <a:spLocks noGrp="1"/>
+          </p:cNvSpPr>
+          <p:nvPr>
+            <p:ph type="title"/>
+          </p:nvPr>
+        </p:nvSpPr>
+        <p:spPr/>
+        <p:txBody>
+          <a:bodyPr/>
+          <a:lstStyle/>
+          <a:p>
+            <a:r>
+              <a:rPr lang="en-US" dirty="0" smtClean="0"/>
+              <a:t>Building the DB</a:t>
+            </a:r>
+            <a:endParaRPr lang="en-US" dirty="0"/>
+          </a:p>
+        </p:txBody>
+      </p:sp>
+      <p:sp>
+        <p:nvSpPr>
+          <p:cNvPr id="3" name="Content Placeholder 2"/>
+          <p:cNvSpPr>
+            <a:spLocks noGrp="1"/>
+          </p:cNvSpPr>
+          <p:nvPr>
+            <p:ph idx="1"/>
+          </p:nvPr>
+        </p:nvSpPr>
+        <p:spPr/>
+        <p:txBody>
+          <a:bodyPr>
+            <a:normAutofit fontScale="70000" lnSpcReduction="20000"/>
+          </a:bodyPr>
+          <a:lstStyle/>
+          <a:p>
+            <a:r>
+              <a:rPr lang="en-US" dirty="0" smtClean="0"/>
+              <a:t>We will build a </a:t>
+            </a:r>
+            <a:r>
+              <a:rPr lang="en-US" dirty="0" err="1" smtClean="0"/>
+              <a:t>mySQL</a:t>
+            </a:r>
+            <a:r>
+              <a:rPr lang="en-US" dirty="0" smtClean="0"/>
+              <a:t> </a:t>
+            </a:r>
+            <a:r>
+              <a:rPr lang="en-US" dirty="0" err="1" smtClean="0"/>
+              <a:t>db</a:t>
+            </a:r>
+            <a:r>
+              <a:rPr lang="en-US" dirty="0" smtClean="0"/>
+              <a:t> with two tables</a:t>
+            </a:r>
+          </a:p>
+          <a:p>
+            <a:pPr lvl="1"/>
+            <a:r>
+              <a:rPr lang="en-US" dirty="0" smtClean="0"/>
+              <a:t>Austin income by zip code</a:t>
+            </a:r>
+          </a:p>
+          <a:p>
+            <a:pPr lvl="2"/>
+            <a:r>
+              <a:rPr lang="en-US" dirty="0" smtClean="0"/>
+              <a:t>Scraped from </a:t>
+            </a:r>
+            <a:r>
+              <a:rPr lang="en-US" dirty="0" err="1" smtClean="0"/>
+              <a:t>zipatlas</a:t>
+            </a:r>
+            <a:endParaRPr lang="en-US" dirty="0" smtClean="0"/>
+          </a:p>
+          <a:p>
+            <a:pPr lvl="1"/>
+            <a:r>
+              <a:rPr lang="en-US" dirty="0" smtClean="0"/>
+              <a:t>Austin Animal Center</a:t>
+            </a:r>
+          </a:p>
+          <a:p>
+            <a:pPr lvl="2"/>
+            <a:r>
+              <a:rPr lang="en-US" dirty="0" smtClean="0"/>
+              <a:t>API interface at </a:t>
+            </a:r>
+            <a:r>
+              <a:rPr lang="en-US" u="sng" dirty="0" smtClean="0">
+                <a:hlinkClick r:id="rId2"/>
+              </a:rPr>
+              <a:t>data.austintexas.gov</a:t>
+            </a:r>
+            <a:endParaRPr lang="en-US" u="sng" dirty="0" smtClean="0"/>
+          </a:p>
+          <a:p>
+            <a:pPr lvl="2"/>
+            <a:r>
+              <a:rPr lang="en-US" dirty="0" smtClean="0"/>
+              <a:t>Must add zip code and </a:t>
+            </a:r>
+            <a:r>
+              <a:rPr lang="en-US" dirty="0" err="1" smtClean="0"/>
+              <a:t>lat</a:t>
+            </a:r>
+            <a:r>
+              <a:rPr lang="en-US" dirty="0" smtClean="0"/>
+              <a:t>/</a:t>
+            </a:r>
+            <a:r>
+              <a:rPr lang="en-US" dirty="0" err="1" smtClean="0"/>
+              <a:t>lon</a:t>
+            </a:r>
+            <a:r>
+              <a:rPr lang="en-US" dirty="0" smtClean="0"/>
+              <a:t> to this </a:t>
+            </a:r>
+            <a:r>
+              <a:rPr lang="en-US" dirty="0" err="1" smtClean="0"/>
+              <a:t>db</a:t>
+            </a:r>
+            <a:r>
+              <a:rPr lang="en-US" dirty="0" smtClean="0"/>
+              <a:t> by geocoding</a:t>
+            </a:r>
+          </a:p>
+          <a:p>
+            <a:r>
+              <a:rPr lang="en-US" dirty="0" smtClean="0"/>
+              <a:t>Data can then be merged by zip code or </a:t>
+            </a:r>
+            <a:r>
+              <a:rPr lang="en-US" dirty="0" err="1" smtClean="0"/>
+              <a:t>lat</a:t>
+            </a:r>
+            <a:r>
+              <a:rPr lang="en-US" dirty="0" smtClean="0"/>
+              <a:t>/</a:t>
+            </a:r>
+            <a:r>
+              <a:rPr lang="en-US" dirty="0" err="1" smtClean="0"/>
+              <a:t>lon</a:t>
+            </a:r>
+            <a:r>
+              <a:rPr lang="en-US" dirty="0" smtClean="0"/>
+              <a:t> to build the views we want to build</a:t>
+            </a:r>
+          </a:p>
+          <a:p>
+            <a:r>
+              <a:rPr lang="en-US" dirty="0" smtClean="0"/>
+              <a:t>In map view</a:t>
+            </a:r>
+          </a:p>
+          <a:p>
+            <a:pPr lvl="1"/>
+            <a:r>
+              <a:rPr lang="en-US" dirty="0" smtClean="0"/>
+              <a:t>Tags for locations must be </a:t>
+            </a:r>
+            <a:r>
+              <a:rPr lang="en-US" dirty="0" err="1" smtClean="0"/>
+              <a:t>lat</a:t>
+            </a:r>
+            <a:r>
+              <a:rPr lang="en-US" dirty="0" smtClean="0"/>
+              <a:t>/</a:t>
+            </a:r>
+            <a:r>
+              <a:rPr lang="en-US" dirty="0" err="1" smtClean="0"/>
+              <a:t>lon</a:t>
+            </a:r>
+            <a:endParaRPr lang="en-US" dirty="0" smtClean="0"/>
+          </a:p>
+          <a:p>
+            <a:pPr lvl="1"/>
+            <a:r>
+              <a:rPr lang="en-US" dirty="0" smtClean="0"/>
+              <a:t>Zip code level polygons on map</a:t>
+            </a:r>
+          </a:p>
+          <a:p>
+            <a:pPr lvl="1"/>
+            <a:r>
+              <a:rPr lang="en-US" dirty="0" smtClean="0"/>
+              <a:t>Polygons to be colored by user choice</a:t>
+            </a:r>
+          </a:p>
+          <a:p>
+            <a:pPr lvl="2"/>
+            <a:r>
+              <a:rPr lang="en-US" dirty="0" smtClean="0"/>
+              <a:t>Income (probably heat map style)</a:t>
+            </a:r>
+          </a:p>
+          <a:p>
+            <a:pPr lvl="2"/>
+            <a:r>
+              <a:rPr lang="en-US" dirty="0" smtClean="0"/>
+              <a:t># of intake</a:t>
+            </a:r>
+          </a:p>
+          <a:p>
+            <a:pPr lvl="2"/>
+            <a:r>
+              <a:rPr lang="en-US" dirty="0" smtClean="0"/>
+              <a:t># of outtake</a:t>
+            </a:r>
+            <a:endParaRPr lang="en-US" dirty="0"/>
+          </a:p>
+        </p:txBody>
+      </p:sp>
+    </p:spTree>
+    <p:extLst>
+      <p:ext uri="{BB962C8B-B14F-4D97-AF65-F5344CB8AC3E}">
+        <p14:creationId xmlns:p14="http://schemas.microsoft.com/office/powerpoint/2010/main" val="3427327151"/>
       </p:ext>
     </p:extLst>
   </p:cSld>
